--- a/Diat/2_Tietorakenteet.pptx
+++ b/Diat/2_Tietorakenteet.pptx
@@ -5,10 +5,10 @@
     <p:sldMasterId id="2147483660" r:id="rId4"/>
   </p:sldMasterIdLst>
   <p:notesMasterIdLst>
-    <p:notesMasterId r:id="rId10"/>
+    <p:notesMasterId r:id="rId11"/>
   </p:notesMasterIdLst>
   <p:handoutMasterIdLst>
-    <p:handoutMasterId r:id="rId11"/>
+    <p:handoutMasterId r:id="rId12"/>
   </p:handoutMasterIdLst>
   <p:sldIdLst>
     <p:sldId id="256" r:id="rId5"/>
@@ -16,6 +16,7 @@
     <p:sldId id="275" r:id="rId7"/>
     <p:sldId id="277" r:id="rId8"/>
     <p:sldId id="278" r:id="rId9"/>
+    <p:sldId id="280" r:id="rId10"/>
   </p:sldIdLst>
   <p:sldSz cx="12192000" cy="6858000"/>
   <p:notesSz cx="6858000" cy="9144000"/>
@@ -231,7 +232,7 @@
           <a:p>
             <a:fld id="{C1866161-D383-45DC-9645-1D21647A8641}" type="datetimeFigureOut">
               <a:rPr lang="en-US" smtClean="0"/>
-              <a:t>10/14/2021</a:t>
+              <a:t>10/15/2021</a:t>
             </a:fld>
             <a:endParaRPr lang="en-US" dirty="0"/>
           </a:p>
@@ -408,7 +409,7 @@
           <a:p>
             <a:fld id="{733789D0-CA34-4934-A369-C3113E12A3EF}" type="datetimeFigureOut">
               <a:rPr lang="en-US" smtClean="0"/>
-              <a:t>10/14/2021</a:t>
+              <a:t>10/15/2021</a:t>
             </a:fld>
             <a:endParaRPr lang="en-US" dirty="0"/>
           </a:p>
@@ -1042,7 +1043,7 @@
           <a:p>
             <a:fld id="{616D6166-2B42-4F11-BAA6-8ABAE1BE810C}" type="datetimeFigureOut">
               <a:rPr lang="en-US" noProof="0" smtClean="0"/>
-              <a:t>10/14/2021</a:t>
+              <a:t>10/15/2021</a:t>
             </a:fld>
             <a:endParaRPr lang="en-US" noProof="0" dirty="0"/>
           </a:p>
@@ -1501,7 +1502,7 @@
           <a:p>
             <a:fld id="{616D6166-2B42-4F11-BAA6-8ABAE1BE810C}" type="datetimeFigureOut">
               <a:rPr lang="en-US" noProof="0" smtClean="0"/>
-              <a:t>10/14/2021</a:t>
+              <a:t>10/15/2021</a:t>
             </a:fld>
             <a:endParaRPr lang="en-US" noProof="0" dirty="0"/>
           </a:p>
@@ -2055,7 +2056,7 @@
           <a:p>
             <a:fld id="{616D6166-2B42-4F11-BAA6-8ABAE1BE810C}" type="datetimeFigureOut">
               <a:rPr lang="en-US" noProof="0" smtClean="0"/>
-              <a:t>10/14/2021</a:t>
+              <a:t>10/15/2021</a:t>
             </a:fld>
             <a:endParaRPr lang="en-US" noProof="0" dirty="0"/>
           </a:p>
@@ -2563,7 +2564,7 @@
           <a:p>
             <a:fld id="{616D6166-2B42-4F11-BAA6-8ABAE1BE810C}" type="datetimeFigureOut">
               <a:rPr lang="en-US" noProof="0" smtClean="0"/>
-              <a:t>10/14/2021</a:t>
+              <a:t>10/15/2021</a:t>
             </a:fld>
             <a:endParaRPr lang="en-US" noProof="0" dirty="0"/>
           </a:p>
@@ -2914,7 +2915,7 @@
           <a:p>
             <a:fld id="{616D6166-2B42-4F11-BAA6-8ABAE1BE810C}" type="datetimeFigureOut">
               <a:rPr lang="en-US" noProof="0" smtClean="0"/>
-              <a:t>10/14/2021</a:t>
+              <a:t>10/15/2021</a:t>
             </a:fld>
             <a:endParaRPr lang="en-US" noProof="0" dirty="0"/>
           </a:p>
@@ -3506,7 +3507,7 @@
           <a:p>
             <a:fld id="{616D6166-2B42-4F11-BAA6-8ABAE1BE810C}" type="datetimeFigureOut">
               <a:rPr lang="en-US" noProof="0" smtClean="0"/>
-              <a:t>10/14/2021</a:t>
+              <a:t>10/15/2021</a:t>
             </a:fld>
             <a:endParaRPr lang="en-US" noProof="0" dirty="0"/>
           </a:p>
@@ -4094,7 +4095,7 @@
           <a:p>
             <a:fld id="{616D6166-2B42-4F11-BAA6-8ABAE1BE810C}" type="datetimeFigureOut">
               <a:rPr lang="en-US" noProof="0" smtClean="0"/>
-              <a:t>10/14/2021</a:t>
+              <a:t>10/15/2021</a:t>
             </a:fld>
             <a:endParaRPr lang="en-US" noProof="0" dirty="0"/>
           </a:p>
@@ -4866,7 +4867,7 @@
           <a:p>
             <a:fld id="{616D6166-2B42-4F11-BAA6-8ABAE1BE810C}" type="datetimeFigureOut">
               <a:rPr lang="en-US" noProof="0" smtClean="0"/>
-              <a:t>10/14/2021</a:t>
+              <a:t>10/15/2021</a:t>
             </a:fld>
             <a:endParaRPr lang="en-US" noProof="0" dirty="0"/>
           </a:p>
@@ -5735,7 +5736,7 @@
           <a:p>
             <a:fld id="{616D6166-2B42-4F11-BAA6-8ABAE1BE810C}" type="datetimeFigureOut">
               <a:rPr lang="en-US" noProof="0" smtClean="0"/>
-              <a:t>10/14/2021</a:t>
+              <a:t>10/15/2021</a:t>
             </a:fld>
             <a:endParaRPr lang="en-US" noProof="0" dirty="0"/>
           </a:p>
@@ -6204,7 +6205,7 @@
           <a:p>
             <a:fld id="{616D6166-2B42-4F11-BAA6-8ABAE1BE810C}" type="datetimeFigureOut">
               <a:rPr lang="en-US" noProof="0" smtClean="0"/>
-              <a:t>10/14/2021</a:t>
+              <a:t>10/15/2021</a:t>
             </a:fld>
             <a:endParaRPr lang="en-US" noProof="0" dirty="0"/>
           </a:p>
@@ -7790,7 +7791,7 @@
           <a:p>
             <a:fld id="{616D6166-2B42-4F11-BAA6-8ABAE1BE810C}" type="datetimeFigureOut">
               <a:rPr lang="en-US" noProof="0" smtClean="0"/>
-              <a:t>10/14/2021</a:t>
+              <a:t>10/15/2021</a:t>
             </a:fld>
             <a:endParaRPr lang="en-US" noProof="0" dirty="0"/>
           </a:p>
@@ -8308,7 +8309,7 @@
           <a:p>
             <a:fld id="{616D6166-2B42-4F11-BAA6-8ABAE1BE810C}" type="datetimeFigureOut">
               <a:rPr lang="en-US" noProof="0" smtClean="0"/>
-              <a:t>10/14/2021</a:t>
+              <a:t>10/15/2021</a:t>
             </a:fld>
             <a:endParaRPr lang="en-US" noProof="0" dirty="0"/>
           </a:p>
@@ -9153,7 +9154,7 @@
           <a:p>
             <a:fld id="{616D6166-2B42-4F11-BAA6-8ABAE1BE810C}" type="datetimeFigureOut">
               <a:rPr lang="en-US" noProof="0" smtClean="0"/>
-              <a:t>10/14/2021</a:t>
+              <a:t>10/15/2021</a:t>
             </a:fld>
             <a:endParaRPr lang="en-US" noProof="0" dirty="0"/>
           </a:p>
@@ -9710,7 +9711,7 @@
           <a:p>
             <a:fld id="{616D6166-2B42-4F11-BAA6-8ABAE1BE810C}" type="datetimeFigureOut">
               <a:rPr lang="en-US" noProof="0" smtClean="0"/>
-              <a:t>10/14/2021</a:t>
+              <a:t>10/15/2021</a:t>
             </a:fld>
             <a:endParaRPr lang="en-US" noProof="0" dirty="0"/>
           </a:p>
@@ -10304,7 +10305,7 @@
           <a:p>
             <a:fld id="{616D6166-2B42-4F11-BAA6-8ABAE1BE810C}" type="datetimeFigureOut">
               <a:rPr lang="en-US" noProof="0" smtClean="0"/>
-              <a:t>10/14/2021</a:t>
+              <a:t>10/15/2021</a:t>
             </a:fld>
             <a:endParaRPr lang="en-US" noProof="0" dirty="0"/>
           </a:p>
@@ -11040,7 +11041,7 @@
           <a:p>
             <a:fld id="{616D6166-2B42-4F11-BAA6-8ABAE1BE810C}" type="datetimeFigureOut">
               <a:rPr lang="en-US" noProof="0" smtClean="0"/>
-              <a:t>10/14/2021</a:t>
+              <a:t>10/15/2021</a:t>
             </a:fld>
             <a:endParaRPr lang="en-US" noProof="0" dirty="0"/>
           </a:p>
@@ -11506,7 +11507,7 @@
           <a:p>
             <a:fld id="{616D6166-2B42-4F11-BAA6-8ABAE1BE810C}" type="datetimeFigureOut">
               <a:rPr lang="en-US" noProof="0" smtClean="0"/>
-              <a:t>10/14/2021</a:t>
+              <a:t>10/15/2021</a:t>
             </a:fld>
             <a:endParaRPr lang="en-US" noProof="0" dirty="0"/>
           </a:p>
@@ -12057,7 +12058,7 @@
           <a:p>
             <a:fld id="{616D6166-2B42-4F11-BAA6-8ABAE1BE810C}" type="datetimeFigureOut">
               <a:rPr lang="en-US" noProof="0" smtClean="0"/>
-              <a:t>10/14/2021</a:t>
+              <a:t>10/15/2021</a:t>
             </a:fld>
             <a:endParaRPr lang="en-US" noProof="0" dirty="0"/>
           </a:p>
@@ -12536,7 +12537,7 @@
           <a:p>
             <a:fld id="{616D6166-2B42-4F11-BAA6-8ABAE1BE810C}" type="datetimeFigureOut">
               <a:rPr lang="en-US" noProof="0" smtClean="0"/>
-              <a:t>10/14/2021</a:t>
+              <a:t>10/15/2021</a:t>
             </a:fld>
             <a:endParaRPr lang="en-US" noProof="0" dirty="0"/>
           </a:p>
@@ -12822,7 +12823,7 @@
           <a:p>
             <a:fld id="{616D6166-2B42-4F11-BAA6-8ABAE1BE810C}" type="datetimeFigureOut">
               <a:rPr lang="en-US" noProof="0" smtClean="0"/>
-              <a:t>10/14/2021</a:t>
+              <a:t>10/15/2021</a:t>
             </a:fld>
             <a:endParaRPr lang="en-US" noProof="0" dirty="0"/>
           </a:p>
@@ -17184,6 +17185,1463 @@
     <p:extLst>
       <p:ext uri="{BB962C8B-B14F-4D97-AF65-F5344CB8AC3E}">
         <p14:creationId xmlns:p14="http://schemas.microsoft.com/office/powerpoint/2010/main" val="863314680"/>
+      </p:ext>
+    </p:extLst>
+  </p:cSld>
+  <p:clrMapOvr>
+    <a:masterClrMapping/>
+  </p:clrMapOvr>
+</p:sld>
+</file>
+
+<file path=ppt/slides/slide6.xml><?xml version="1.0" encoding="utf-8"?>
+<p:sld xmlns:a="http://schemas.openxmlformats.org/drawingml/2006/main" xmlns:r="http://schemas.openxmlformats.org/officeDocument/2006/relationships" xmlns:p="http://schemas.openxmlformats.org/presentationml/2006/main">
+  <p:cSld>
+    <p:spTree>
+      <p:nvGrpSpPr>
+        <p:cNvPr id="1" name=""/>
+        <p:cNvGrpSpPr/>
+        <p:nvPr/>
+      </p:nvGrpSpPr>
+      <p:grpSpPr>
+        <a:xfrm>
+          <a:off x="0" y="0"/>
+          <a:ext cx="0" cy="0"/>
+          <a:chOff x="0" y="0"/>
+          <a:chExt cx="0" cy="0"/>
+        </a:xfrm>
+      </p:grpSpPr>
+      <p:pic>
+        <p:nvPicPr>
+          <p:cNvPr id="12" name="Graphic 11" descr="Box with solid fill">
+            <a:extLst>
+              <a:ext uri="{FF2B5EF4-FFF2-40B4-BE49-F238E27FC236}">
+                <a16:creationId xmlns:a16="http://schemas.microsoft.com/office/drawing/2014/main" id="{6B0B34C8-60EC-41EC-B2BA-4669A27CFDD8}"/>
+              </a:ext>
+            </a:extLst>
+          </p:cNvPr>
+          <p:cNvPicPr>
+            <a:picLocks noChangeAspect="1"/>
+          </p:cNvPicPr>
+          <p:nvPr/>
+        </p:nvPicPr>
+        <p:blipFill>
+          <a:blip r:embed="rId2">
+            <a:extLst>
+              <a:ext uri="{96DAC541-7B7A-43D3-8B79-37D633B846F1}">
+                <asvg:svgBlip xmlns:asvg="http://schemas.microsoft.com/office/drawing/2016/SVG/main" r:embed="rId3"/>
+              </a:ext>
+            </a:extLst>
+          </a:blip>
+          <a:stretch>
+            <a:fillRect/>
+          </a:stretch>
+        </p:blipFill>
+        <p:spPr>
+          <a:xfrm>
+            <a:off x="10974199" y="845191"/>
+            <a:ext cx="914400" cy="914400"/>
+          </a:xfrm>
+          <a:prstGeom prst="rect">
+            <a:avLst/>
+          </a:prstGeom>
+        </p:spPr>
+      </p:pic>
+      <p:sp>
+        <p:nvSpPr>
+          <p:cNvPr id="21" name="Title 20">
+            <a:extLst>
+              <a:ext uri="{FF2B5EF4-FFF2-40B4-BE49-F238E27FC236}">
+                <a16:creationId xmlns:a16="http://schemas.microsoft.com/office/drawing/2014/main" id="{3D957F68-D275-4B16-BD4D-1620603CD5FF}"/>
+              </a:ext>
+            </a:extLst>
+          </p:cNvPr>
+          <p:cNvSpPr>
+            <a:spLocks noGrp="1"/>
+          </p:cNvSpPr>
+          <p:nvPr>
+            <p:ph type="title"/>
+          </p:nvPr>
+        </p:nvSpPr>
+        <p:spPr/>
+        <p:txBody>
+          <a:bodyPr/>
+          <a:lstStyle/>
+          <a:p>
+            <a:r>
+              <a:rPr lang="en-US" dirty="0" err="1"/>
+              <a:t>Hajautustaulu</a:t>
+            </a:r>
+            <a:r>
+              <a:rPr lang="en-US" dirty="0"/>
+              <a:t>	Dictionary&lt;</a:t>
+            </a:r>
+            <a:r>
+              <a:rPr lang="en-US" dirty="0" err="1"/>
+              <a:t>Tkey</a:t>
+            </a:r>
+            <a:r>
+              <a:rPr lang="en-US" dirty="0"/>
+              <a:t>, </a:t>
+            </a:r>
+            <a:r>
+              <a:rPr lang="en-US" dirty="0" err="1"/>
+              <a:t>TVal</a:t>
+            </a:r>
+            <a:r>
+              <a:rPr lang="en-US" dirty="0"/>
+              <a:t>&gt;</a:t>
+            </a:r>
+            <a:endParaRPr lang="fi-FI" dirty="0"/>
+          </a:p>
+        </p:txBody>
+      </p:sp>
+      <p:sp>
+        <p:nvSpPr>
+          <p:cNvPr id="4" name="TextBox 3">
+            <a:extLst>
+              <a:ext uri="{FF2B5EF4-FFF2-40B4-BE49-F238E27FC236}">
+                <a16:creationId xmlns:a16="http://schemas.microsoft.com/office/drawing/2014/main" id="{0E474300-7A0A-4123-BB16-4F6F773A0CDA}"/>
+              </a:ext>
+            </a:extLst>
+          </p:cNvPr>
+          <p:cNvSpPr txBox="1"/>
+          <p:nvPr/>
+        </p:nvSpPr>
+        <p:spPr>
+          <a:xfrm>
+            <a:off x="478173" y="2248250"/>
+            <a:ext cx="5201986" cy="4031873"/>
+          </a:xfrm>
+          <a:prstGeom prst="rect">
+            <a:avLst/>
+          </a:prstGeom>
+          <a:noFill/>
+        </p:spPr>
+        <p:txBody>
+          <a:bodyPr wrap="square" rtlCol="0">
+            <a:spAutoFit/>
+          </a:bodyPr>
+          <a:lstStyle/>
+          <a:p>
+            <a:pPr marL="457200" indent="-457200">
+              <a:buFont typeface="Arial" panose="020B0604020202020204" pitchFamily="34" charset="0"/>
+              <a:buChar char="•"/>
+            </a:pPr>
+            <a:r>
+              <a:rPr lang="en-US" sz="3200" b="1" dirty="0" err="1">
+                <a:solidFill>
+                  <a:schemeClr val="bg1">
+                    <a:lumMod val="95000"/>
+                    <a:lumOff val="5000"/>
+                  </a:schemeClr>
+                </a:solidFill>
+              </a:rPr>
+              <a:t>Hajautustaulu</a:t>
+            </a:r>
+            <a:r>
+              <a:rPr lang="en-US" sz="3200" b="1" dirty="0">
+                <a:solidFill>
+                  <a:schemeClr val="bg1">
+                    <a:lumMod val="95000"/>
+                    <a:lumOff val="5000"/>
+                  </a:schemeClr>
+                </a:solidFill>
+              </a:rPr>
+              <a:t> </a:t>
+            </a:r>
+            <a:r>
+              <a:rPr lang="en-US" sz="3200" b="1" dirty="0" err="1">
+                <a:solidFill>
+                  <a:schemeClr val="bg1">
+                    <a:lumMod val="95000"/>
+                    <a:lumOff val="5000"/>
+                  </a:schemeClr>
+                </a:solidFill>
+              </a:rPr>
+              <a:t>yhdistää</a:t>
+            </a:r>
+            <a:r>
+              <a:rPr lang="en-US" sz="3200" b="1" dirty="0">
+                <a:solidFill>
+                  <a:schemeClr val="bg1">
+                    <a:lumMod val="95000"/>
+                    <a:lumOff val="5000"/>
+                  </a:schemeClr>
+                </a:solidFill>
+              </a:rPr>
+              <a:t> </a:t>
+            </a:r>
+            <a:r>
+              <a:rPr lang="en-US" sz="3200" b="1" dirty="0" err="1">
+                <a:solidFill>
+                  <a:schemeClr val="bg1">
+                    <a:lumMod val="95000"/>
+                    <a:lumOff val="5000"/>
+                  </a:schemeClr>
+                </a:solidFill>
+              </a:rPr>
+              <a:t>kaksi</a:t>
+            </a:r>
+            <a:r>
+              <a:rPr lang="en-US" sz="3200" b="1" dirty="0">
+                <a:solidFill>
+                  <a:schemeClr val="bg1">
+                    <a:lumMod val="95000"/>
+                    <a:lumOff val="5000"/>
+                  </a:schemeClr>
+                </a:solidFill>
+              </a:rPr>
+              <a:t> </a:t>
+            </a:r>
+            <a:r>
+              <a:rPr lang="en-US" sz="3200" b="1" dirty="0" err="1">
+                <a:solidFill>
+                  <a:schemeClr val="bg1">
+                    <a:lumMod val="95000"/>
+                    <a:lumOff val="5000"/>
+                  </a:schemeClr>
+                </a:solidFill>
+              </a:rPr>
+              <a:t>tyyppiä</a:t>
+            </a:r>
+            <a:r>
+              <a:rPr lang="en-US" sz="3200" b="1" dirty="0">
+                <a:solidFill>
+                  <a:schemeClr val="bg1">
+                    <a:lumMod val="95000"/>
+                    <a:lumOff val="5000"/>
+                  </a:schemeClr>
+                </a:solidFill>
+              </a:rPr>
+              <a:t>, </a:t>
+            </a:r>
+            <a:r>
+              <a:rPr lang="en-US" sz="3200" b="1" dirty="0" err="1">
+                <a:solidFill>
+                  <a:schemeClr val="bg1">
+                    <a:lumMod val="95000"/>
+                    <a:lumOff val="5000"/>
+                  </a:schemeClr>
+                </a:solidFill>
+              </a:rPr>
+              <a:t>avaimen</a:t>
+            </a:r>
+            <a:r>
+              <a:rPr lang="en-US" sz="3200" b="1" dirty="0">
+                <a:solidFill>
+                  <a:schemeClr val="bg1">
+                    <a:lumMod val="95000"/>
+                    <a:lumOff val="5000"/>
+                  </a:schemeClr>
+                </a:solidFill>
+              </a:rPr>
+              <a:t> ja </a:t>
+            </a:r>
+            <a:r>
+              <a:rPr lang="en-US" sz="3200" b="1" dirty="0" err="1">
+                <a:solidFill>
+                  <a:schemeClr val="bg1">
+                    <a:lumMod val="95000"/>
+                    <a:lumOff val="5000"/>
+                  </a:schemeClr>
+                </a:solidFill>
+              </a:rPr>
+              <a:t>arvon</a:t>
+            </a:r>
+            <a:endParaRPr lang="en-US" sz="3200" b="1" dirty="0">
+              <a:solidFill>
+                <a:schemeClr val="bg1">
+                  <a:lumMod val="95000"/>
+                  <a:lumOff val="5000"/>
+                </a:schemeClr>
+              </a:solidFill>
+            </a:endParaRPr>
+          </a:p>
+          <a:p>
+            <a:pPr marL="457200" indent="-457200">
+              <a:buFont typeface="Arial" panose="020B0604020202020204" pitchFamily="34" charset="0"/>
+              <a:buChar char="•"/>
+            </a:pPr>
+            <a:r>
+              <a:rPr lang="en-US" sz="3200" b="1" dirty="0" err="1">
+                <a:solidFill>
+                  <a:schemeClr val="bg1">
+                    <a:lumMod val="95000"/>
+                    <a:lumOff val="5000"/>
+                  </a:schemeClr>
+                </a:solidFill>
+              </a:rPr>
+              <a:t>Avaimesta</a:t>
+            </a:r>
+            <a:r>
+              <a:rPr lang="en-US" sz="3200" b="1" dirty="0">
+                <a:solidFill>
+                  <a:schemeClr val="bg1">
+                    <a:lumMod val="95000"/>
+                    <a:lumOff val="5000"/>
+                  </a:schemeClr>
+                </a:solidFill>
+              </a:rPr>
+              <a:t> </a:t>
+            </a:r>
+            <a:r>
+              <a:rPr lang="en-US" sz="3200" b="1" dirty="0" err="1">
+                <a:solidFill>
+                  <a:schemeClr val="bg1">
+                    <a:lumMod val="95000"/>
+                    <a:lumOff val="5000"/>
+                  </a:schemeClr>
+                </a:solidFill>
+              </a:rPr>
+              <a:t>lasketaan</a:t>
+            </a:r>
+            <a:r>
+              <a:rPr lang="en-US" sz="3200" b="1" dirty="0">
+                <a:solidFill>
+                  <a:schemeClr val="bg1">
+                    <a:lumMod val="95000"/>
+                    <a:lumOff val="5000"/>
+                  </a:schemeClr>
+                </a:solidFill>
+              </a:rPr>
+              <a:t> </a:t>
+            </a:r>
+            <a:r>
+              <a:rPr lang="en-US" sz="3200" b="1" dirty="0" err="1">
+                <a:solidFill>
+                  <a:schemeClr val="bg1">
+                    <a:lumMod val="95000"/>
+                    <a:lumOff val="5000"/>
+                  </a:schemeClr>
+                </a:solidFill>
+              </a:rPr>
+              <a:t>arvon</a:t>
+            </a:r>
+            <a:r>
+              <a:rPr lang="en-US" sz="3200" b="1" dirty="0">
+                <a:solidFill>
+                  <a:schemeClr val="bg1">
+                    <a:lumMod val="95000"/>
+                    <a:lumOff val="5000"/>
+                  </a:schemeClr>
+                </a:solidFill>
+              </a:rPr>
+              <a:t> </a:t>
+            </a:r>
+            <a:r>
+              <a:rPr lang="en-US" sz="3200" b="1" dirty="0" err="1">
+                <a:solidFill>
+                  <a:schemeClr val="bg1">
+                    <a:lumMod val="95000"/>
+                    <a:lumOff val="5000"/>
+                  </a:schemeClr>
+                </a:solidFill>
+              </a:rPr>
+              <a:t>indeksi</a:t>
+            </a:r>
+            <a:r>
+              <a:rPr lang="en-US" sz="3200" b="1" dirty="0">
+                <a:solidFill>
+                  <a:schemeClr val="bg1">
+                    <a:lumMod val="95000"/>
+                    <a:lumOff val="5000"/>
+                  </a:schemeClr>
+                </a:solidFill>
+              </a:rPr>
+              <a:t> </a:t>
+            </a:r>
+            <a:r>
+              <a:rPr lang="en-US" sz="3200" b="1" dirty="0" err="1">
+                <a:solidFill>
+                  <a:schemeClr val="bg1">
+                    <a:lumMod val="95000"/>
+                    <a:lumOff val="5000"/>
+                  </a:schemeClr>
+                </a:solidFill>
+              </a:rPr>
+              <a:t>hajautusfunktiolla</a:t>
+            </a:r>
+            <a:r>
+              <a:rPr lang="en-US" sz="3200" b="1" dirty="0">
+                <a:solidFill>
+                  <a:schemeClr val="bg1">
+                    <a:lumMod val="95000"/>
+                    <a:lumOff val="5000"/>
+                  </a:schemeClr>
+                </a:solidFill>
+              </a:rPr>
+              <a:t> (hash function)</a:t>
+            </a:r>
+          </a:p>
+          <a:p>
+            <a:pPr marL="457200" indent="-457200">
+              <a:buFont typeface="Arial" panose="020B0604020202020204" pitchFamily="34" charset="0"/>
+              <a:buChar char="•"/>
+            </a:pPr>
+            <a:endParaRPr lang="fi-FI" sz="3200" b="1" dirty="0">
+              <a:solidFill>
+                <a:schemeClr val="bg1">
+                  <a:lumMod val="95000"/>
+                  <a:lumOff val="5000"/>
+                </a:schemeClr>
+              </a:solidFill>
+            </a:endParaRPr>
+          </a:p>
+        </p:txBody>
+      </p:sp>
+      <p:sp>
+        <p:nvSpPr>
+          <p:cNvPr id="2" name="Rectangle 1">
+            <a:extLst>
+              <a:ext uri="{FF2B5EF4-FFF2-40B4-BE49-F238E27FC236}">
+                <a16:creationId xmlns:a16="http://schemas.microsoft.com/office/drawing/2014/main" id="{74F7537D-DA41-485B-9E38-7F8E8DBFCF19}"/>
+              </a:ext>
+            </a:extLst>
+          </p:cNvPr>
+          <p:cNvSpPr/>
+          <p:nvPr/>
+        </p:nvSpPr>
+        <p:spPr>
+          <a:xfrm>
+            <a:off x="5803039" y="2454675"/>
+            <a:ext cx="1565429" cy="863353"/>
+          </a:xfrm>
+          <a:prstGeom prst="rect">
+            <a:avLst/>
+          </a:prstGeom>
+          <a:solidFill>
+            <a:schemeClr val="accent1"/>
+          </a:solidFill>
+          <a:ln>
+            <a:noFill/>
+          </a:ln>
+          <a:effectLst>
+            <a:outerShdw blurRad="50800" dist="38100" dir="5400000" algn="t" rotWithShape="0">
+              <a:prstClr val="black">
+                <a:alpha val="40000"/>
+              </a:prstClr>
+            </a:outerShdw>
+          </a:effectLst>
+        </p:spPr>
+        <p:style>
+          <a:lnRef idx="2">
+            <a:schemeClr val="accent1">
+              <a:shade val="50000"/>
+            </a:schemeClr>
+          </a:lnRef>
+          <a:fillRef idx="1">
+            <a:schemeClr val="accent1"/>
+          </a:fillRef>
+          <a:effectRef idx="0">
+            <a:schemeClr val="accent1"/>
+          </a:effectRef>
+          <a:fontRef idx="minor">
+            <a:schemeClr val="lt1"/>
+          </a:fontRef>
+        </p:style>
+        <p:txBody>
+          <a:bodyPr rtlCol="0" anchor="ctr"/>
+          <a:lstStyle/>
+          <a:p>
+            <a:pPr algn="ctr"/>
+            <a:r>
+              <a:rPr lang="en-US" sz="2400" dirty="0">
+                <a:solidFill>
+                  <a:schemeClr val="bg1"/>
+                </a:solidFill>
+              </a:rPr>
+              <a:t>“</a:t>
+            </a:r>
+            <a:r>
+              <a:rPr lang="en-US" sz="2400" dirty="0" err="1">
+                <a:solidFill>
+                  <a:schemeClr val="bg1"/>
+                </a:solidFill>
+              </a:rPr>
+              <a:t>Heikki</a:t>
+            </a:r>
+            <a:r>
+              <a:rPr lang="en-US" sz="2400" dirty="0">
+                <a:solidFill>
+                  <a:schemeClr val="bg1"/>
+                </a:solidFill>
+              </a:rPr>
+              <a:t>”</a:t>
+            </a:r>
+          </a:p>
+        </p:txBody>
+      </p:sp>
+      <p:sp>
+        <p:nvSpPr>
+          <p:cNvPr id="27" name="Rectangle 26">
+            <a:extLst>
+              <a:ext uri="{FF2B5EF4-FFF2-40B4-BE49-F238E27FC236}">
+                <a16:creationId xmlns:a16="http://schemas.microsoft.com/office/drawing/2014/main" id="{50381CCE-6923-41BB-9563-35D031A66539}"/>
+              </a:ext>
+            </a:extLst>
+          </p:cNvPr>
+          <p:cNvSpPr/>
+          <p:nvPr/>
+        </p:nvSpPr>
+        <p:spPr>
+          <a:xfrm>
+            <a:off x="5803039" y="3470428"/>
+            <a:ext cx="1565429" cy="863353"/>
+          </a:xfrm>
+          <a:prstGeom prst="rect">
+            <a:avLst/>
+          </a:prstGeom>
+          <a:solidFill>
+            <a:schemeClr val="accent1"/>
+          </a:solidFill>
+          <a:ln>
+            <a:noFill/>
+          </a:ln>
+          <a:effectLst>
+            <a:outerShdw blurRad="50800" dist="38100" dir="5400000" algn="t" rotWithShape="0">
+              <a:prstClr val="black">
+                <a:alpha val="40000"/>
+              </a:prstClr>
+            </a:outerShdw>
+          </a:effectLst>
+        </p:spPr>
+        <p:style>
+          <a:lnRef idx="2">
+            <a:schemeClr val="accent1">
+              <a:shade val="50000"/>
+            </a:schemeClr>
+          </a:lnRef>
+          <a:fillRef idx="1">
+            <a:schemeClr val="accent1"/>
+          </a:fillRef>
+          <a:effectRef idx="0">
+            <a:schemeClr val="accent1"/>
+          </a:effectRef>
+          <a:fontRef idx="minor">
+            <a:schemeClr val="lt1"/>
+          </a:fontRef>
+        </p:style>
+        <p:txBody>
+          <a:bodyPr rtlCol="0" anchor="ctr"/>
+          <a:lstStyle/>
+          <a:p>
+            <a:pPr algn="ctr"/>
+            <a:r>
+              <a:rPr lang="en-US" sz="2400" dirty="0">
+                <a:solidFill>
+                  <a:schemeClr val="bg1"/>
+                </a:solidFill>
+              </a:rPr>
+              <a:t>“</a:t>
+            </a:r>
+            <a:r>
+              <a:rPr lang="en-US" sz="2400" dirty="0" err="1">
+                <a:solidFill>
+                  <a:schemeClr val="bg1"/>
+                </a:solidFill>
+              </a:rPr>
+              <a:t>Martta</a:t>
+            </a:r>
+            <a:r>
+              <a:rPr lang="en-US" sz="2400" dirty="0">
+                <a:solidFill>
+                  <a:schemeClr val="bg1"/>
+                </a:solidFill>
+              </a:rPr>
+              <a:t>”</a:t>
+            </a:r>
+          </a:p>
+        </p:txBody>
+      </p:sp>
+      <p:sp>
+        <p:nvSpPr>
+          <p:cNvPr id="28" name="Rectangle 27">
+            <a:extLst>
+              <a:ext uri="{FF2B5EF4-FFF2-40B4-BE49-F238E27FC236}">
+                <a16:creationId xmlns:a16="http://schemas.microsoft.com/office/drawing/2014/main" id="{F05FD82E-3153-4194-AC4A-103BBF6AF4BD}"/>
+              </a:ext>
+            </a:extLst>
+          </p:cNvPr>
+          <p:cNvSpPr/>
+          <p:nvPr/>
+        </p:nvSpPr>
+        <p:spPr>
+          <a:xfrm>
+            <a:off x="5803038" y="4486181"/>
+            <a:ext cx="1565429" cy="863353"/>
+          </a:xfrm>
+          <a:prstGeom prst="rect">
+            <a:avLst/>
+          </a:prstGeom>
+          <a:solidFill>
+            <a:schemeClr val="accent1"/>
+          </a:solidFill>
+          <a:ln>
+            <a:noFill/>
+          </a:ln>
+          <a:effectLst>
+            <a:outerShdw blurRad="50800" dist="38100" dir="5400000" algn="t" rotWithShape="0">
+              <a:prstClr val="black">
+                <a:alpha val="40000"/>
+              </a:prstClr>
+            </a:outerShdw>
+          </a:effectLst>
+        </p:spPr>
+        <p:style>
+          <a:lnRef idx="2">
+            <a:schemeClr val="accent1">
+              <a:shade val="50000"/>
+            </a:schemeClr>
+          </a:lnRef>
+          <a:fillRef idx="1">
+            <a:schemeClr val="accent1"/>
+          </a:fillRef>
+          <a:effectRef idx="0">
+            <a:schemeClr val="accent1"/>
+          </a:effectRef>
+          <a:fontRef idx="minor">
+            <a:schemeClr val="lt1"/>
+          </a:fontRef>
+        </p:style>
+        <p:txBody>
+          <a:bodyPr rtlCol="0" anchor="ctr"/>
+          <a:lstStyle/>
+          <a:p>
+            <a:pPr algn="ctr"/>
+            <a:r>
+              <a:rPr lang="en-US" sz="2400" dirty="0">
+                <a:solidFill>
+                  <a:schemeClr val="bg1"/>
+                </a:solidFill>
+              </a:rPr>
+              <a:t>“Antti”</a:t>
+            </a:r>
+          </a:p>
+        </p:txBody>
+      </p:sp>
+      <p:sp>
+        <p:nvSpPr>
+          <p:cNvPr id="29" name="Rectangle 28">
+            <a:extLst>
+              <a:ext uri="{FF2B5EF4-FFF2-40B4-BE49-F238E27FC236}">
+                <a16:creationId xmlns:a16="http://schemas.microsoft.com/office/drawing/2014/main" id="{3647800D-C751-4446-BBE2-7365C40E2665}"/>
+              </a:ext>
+            </a:extLst>
+          </p:cNvPr>
+          <p:cNvSpPr/>
+          <p:nvPr/>
+        </p:nvSpPr>
+        <p:spPr>
+          <a:xfrm>
+            <a:off x="5803037" y="5501934"/>
+            <a:ext cx="1565429" cy="863353"/>
+          </a:xfrm>
+          <a:prstGeom prst="rect">
+            <a:avLst/>
+          </a:prstGeom>
+          <a:solidFill>
+            <a:schemeClr val="accent1"/>
+          </a:solidFill>
+          <a:ln>
+            <a:noFill/>
+          </a:ln>
+          <a:effectLst>
+            <a:outerShdw blurRad="50800" dist="38100" dir="5400000" algn="t" rotWithShape="0">
+              <a:prstClr val="black">
+                <a:alpha val="40000"/>
+              </a:prstClr>
+            </a:outerShdw>
+          </a:effectLst>
+        </p:spPr>
+        <p:style>
+          <a:lnRef idx="2">
+            <a:schemeClr val="accent1">
+              <a:shade val="50000"/>
+            </a:schemeClr>
+          </a:lnRef>
+          <a:fillRef idx="1">
+            <a:schemeClr val="accent1"/>
+          </a:fillRef>
+          <a:effectRef idx="0">
+            <a:schemeClr val="accent1"/>
+          </a:effectRef>
+          <a:fontRef idx="minor">
+            <a:schemeClr val="lt1"/>
+          </a:fontRef>
+        </p:style>
+        <p:txBody>
+          <a:bodyPr rtlCol="0" anchor="ctr"/>
+          <a:lstStyle/>
+          <a:p>
+            <a:pPr algn="ctr"/>
+            <a:r>
+              <a:rPr lang="en-US" sz="2400" dirty="0">
+                <a:solidFill>
+                  <a:schemeClr val="bg1"/>
+                </a:solidFill>
+              </a:rPr>
+              <a:t>“</a:t>
+            </a:r>
+            <a:r>
+              <a:rPr lang="en-US" sz="2400" dirty="0" err="1">
+                <a:solidFill>
+                  <a:schemeClr val="bg1"/>
+                </a:solidFill>
+              </a:rPr>
+              <a:t>Kyllikki</a:t>
+            </a:r>
+            <a:r>
+              <a:rPr lang="en-US" sz="2400" dirty="0">
+                <a:solidFill>
+                  <a:schemeClr val="bg1"/>
+                </a:solidFill>
+              </a:rPr>
+              <a:t>”</a:t>
+            </a:r>
+          </a:p>
+        </p:txBody>
+      </p:sp>
+      <p:sp>
+        <p:nvSpPr>
+          <p:cNvPr id="30" name="Rectangle 29">
+            <a:extLst>
+              <a:ext uri="{FF2B5EF4-FFF2-40B4-BE49-F238E27FC236}">
+                <a16:creationId xmlns:a16="http://schemas.microsoft.com/office/drawing/2014/main" id="{C8870CE1-A99D-4F0D-A46E-2EE5778929EF}"/>
+              </a:ext>
+            </a:extLst>
+          </p:cNvPr>
+          <p:cNvSpPr/>
+          <p:nvPr/>
+        </p:nvSpPr>
+        <p:spPr>
+          <a:xfrm>
+            <a:off x="10148398" y="2454675"/>
+            <a:ext cx="1565429" cy="863353"/>
+          </a:xfrm>
+          <a:prstGeom prst="rect">
+            <a:avLst/>
+          </a:prstGeom>
+          <a:solidFill>
+            <a:schemeClr val="accent1"/>
+          </a:solidFill>
+          <a:ln>
+            <a:noFill/>
+          </a:ln>
+          <a:effectLst>
+            <a:outerShdw blurRad="50800" dist="38100" dir="5400000" algn="t" rotWithShape="0">
+              <a:prstClr val="black">
+                <a:alpha val="40000"/>
+              </a:prstClr>
+            </a:outerShdw>
+          </a:effectLst>
+        </p:spPr>
+        <p:style>
+          <a:lnRef idx="2">
+            <a:schemeClr val="accent1">
+              <a:shade val="50000"/>
+            </a:schemeClr>
+          </a:lnRef>
+          <a:fillRef idx="1">
+            <a:schemeClr val="accent1"/>
+          </a:fillRef>
+          <a:effectRef idx="0">
+            <a:schemeClr val="accent1"/>
+          </a:effectRef>
+          <a:fontRef idx="minor">
+            <a:schemeClr val="lt1"/>
+          </a:fontRef>
+        </p:style>
+        <p:txBody>
+          <a:bodyPr rtlCol="0" anchor="ctr"/>
+          <a:lstStyle/>
+          <a:p>
+            <a:pPr algn="ctr"/>
+            <a:r>
+              <a:rPr lang="en-US" sz="2400" dirty="0">
+                <a:solidFill>
+                  <a:schemeClr val="bg1"/>
+                </a:solidFill>
+              </a:rPr>
+              <a:t>0</a:t>
+            </a:r>
+          </a:p>
+        </p:txBody>
+      </p:sp>
+      <p:sp>
+        <p:nvSpPr>
+          <p:cNvPr id="31" name="Rectangle 30">
+            <a:extLst>
+              <a:ext uri="{FF2B5EF4-FFF2-40B4-BE49-F238E27FC236}">
+                <a16:creationId xmlns:a16="http://schemas.microsoft.com/office/drawing/2014/main" id="{23F703D7-BE88-41FB-A39F-3FF7779989A2}"/>
+              </a:ext>
+            </a:extLst>
+          </p:cNvPr>
+          <p:cNvSpPr/>
+          <p:nvPr/>
+        </p:nvSpPr>
+        <p:spPr>
+          <a:xfrm>
+            <a:off x="10148398" y="3470428"/>
+            <a:ext cx="1565429" cy="863353"/>
+          </a:xfrm>
+          <a:prstGeom prst="rect">
+            <a:avLst/>
+          </a:prstGeom>
+          <a:solidFill>
+            <a:schemeClr val="accent1"/>
+          </a:solidFill>
+          <a:ln>
+            <a:noFill/>
+          </a:ln>
+          <a:effectLst>
+            <a:outerShdw blurRad="50800" dist="38100" dir="5400000" algn="t" rotWithShape="0">
+              <a:prstClr val="black">
+                <a:alpha val="40000"/>
+              </a:prstClr>
+            </a:outerShdw>
+          </a:effectLst>
+        </p:spPr>
+        <p:style>
+          <a:lnRef idx="2">
+            <a:schemeClr val="accent1">
+              <a:shade val="50000"/>
+            </a:schemeClr>
+          </a:lnRef>
+          <a:fillRef idx="1">
+            <a:schemeClr val="accent1"/>
+          </a:fillRef>
+          <a:effectRef idx="0">
+            <a:schemeClr val="accent1"/>
+          </a:effectRef>
+          <a:fontRef idx="minor">
+            <a:schemeClr val="lt1"/>
+          </a:fontRef>
+        </p:style>
+        <p:txBody>
+          <a:bodyPr rtlCol="0" anchor="ctr"/>
+          <a:lstStyle/>
+          <a:p>
+            <a:pPr algn="ctr"/>
+            <a:r>
+              <a:rPr lang="en-US" sz="2400" dirty="0">
+                <a:solidFill>
+                  <a:schemeClr val="bg1"/>
+                </a:solidFill>
+              </a:rPr>
+              <a:t>1</a:t>
+            </a:r>
+          </a:p>
+        </p:txBody>
+      </p:sp>
+      <p:sp>
+        <p:nvSpPr>
+          <p:cNvPr id="32" name="Rectangle 31">
+            <a:extLst>
+              <a:ext uri="{FF2B5EF4-FFF2-40B4-BE49-F238E27FC236}">
+                <a16:creationId xmlns:a16="http://schemas.microsoft.com/office/drawing/2014/main" id="{180628C3-F2B3-455F-96B8-DF45012EAEB9}"/>
+              </a:ext>
+            </a:extLst>
+          </p:cNvPr>
+          <p:cNvSpPr/>
+          <p:nvPr/>
+        </p:nvSpPr>
+        <p:spPr>
+          <a:xfrm>
+            <a:off x="10148397" y="4486181"/>
+            <a:ext cx="1565429" cy="863353"/>
+          </a:xfrm>
+          <a:prstGeom prst="rect">
+            <a:avLst/>
+          </a:prstGeom>
+          <a:solidFill>
+            <a:schemeClr val="accent1"/>
+          </a:solidFill>
+          <a:ln>
+            <a:noFill/>
+          </a:ln>
+          <a:effectLst>
+            <a:outerShdw blurRad="50800" dist="38100" dir="5400000" algn="t" rotWithShape="0">
+              <a:prstClr val="black">
+                <a:alpha val="40000"/>
+              </a:prstClr>
+            </a:outerShdw>
+          </a:effectLst>
+        </p:spPr>
+        <p:style>
+          <a:lnRef idx="2">
+            <a:schemeClr val="accent1">
+              <a:shade val="50000"/>
+            </a:schemeClr>
+          </a:lnRef>
+          <a:fillRef idx="1">
+            <a:schemeClr val="accent1"/>
+          </a:fillRef>
+          <a:effectRef idx="0">
+            <a:schemeClr val="accent1"/>
+          </a:effectRef>
+          <a:fontRef idx="minor">
+            <a:schemeClr val="lt1"/>
+          </a:fontRef>
+        </p:style>
+        <p:txBody>
+          <a:bodyPr rtlCol="0" anchor="ctr"/>
+          <a:lstStyle/>
+          <a:p>
+            <a:pPr algn="ctr"/>
+            <a:r>
+              <a:rPr lang="en-US" sz="2400" dirty="0">
+                <a:solidFill>
+                  <a:schemeClr val="bg1"/>
+                </a:solidFill>
+              </a:rPr>
+              <a:t>2</a:t>
+            </a:r>
+          </a:p>
+        </p:txBody>
+      </p:sp>
+      <p:sp>
+        <p:nvSpPr>
+          <p:cNvPr id="33" name="Rectangle 32">
+            <a:extLst>
+              <a:ext uri="{FF2B5EF4-FFF2-40B4-BE49-F238E27FC236}">
+                <a16:creationId xmlns:a16="http://schemas.microsoft.com/office/drawing/2014/main" id="{B296B968-C1D3-4367-8D67-FCFE168B0985}"/>
+              </a:ext>
+            </a:extLst>
+          </p:cNvPr>
+          <p:cNvSpPr/>
+          <p:nvPr/>
+        </p:nvSpPr>
+        <p:spPr>
+          <a:xfrm>
+            <a:off x="10148396" y="5501934"/>
+            <a:ext cx="1565429" cy="863353"/>
+          </a:xfrm>
+          <a:prstGeom prst="rect">
+            <a:avLst/>
+          </a:prstGeom>
+          <a:solidFill>
+            <a:schemeClr val="accent1"/>
+          </a:solidFill>
+          <a:ln>
+            <a:noFill/>
+          </a:ln>
+          <a:effectLst>
+            <a:outerShdw blurRad="50800" dist="38100" dir="5400000" algn="t" rotWithShape="0">
+              <a:prstClr val="black">
+                <a:alpha val="40000"/>
+              </a:prstClr>
+            </a:outerShdw>
+          </a:effectLst>
+        </p:spPr>
+        <p:style>
+          <a:lnRef idx="2">
+            <a:schemeClr val="accent1">
+              <a:shade val="50000"/>
+            </a:schemeClr>
+          </a:lnRef>
+          <a:fillRef idx="1">
+            <a:schemeClr val="accent1"/>
+          </a:fillRef>
+          <a:effectRef idx="0">
+            <a:schemeClr val="accent1"/>
+          </a:effectRef>
+          <a:fontRef idx="minor">
+            <a:schemeClr val="lt1"/>
+          </a:fontRef>
+        </p:style>
+        <p:txBody>
+          <a:bodyPr rtlCol="0" anchor="ctr"/>
+          <a:lstStyle/>
+          <a:p>
+            <a:pPr algn="ctr"/>
+            <a:r>
+              <a:rPr lang="en-US" sz="2400" dirty="0">
+                <a:solidFill>
+                  <a:schemeClr val="bg1"/>
+                </a:solidFill>
+              </a:rPr>
+              <a:t>3</a:t>
+            </a:r>
+          </a:p>
+        </p:txBody>
+      </p:sp>
+      <p:sp>
+        <p:nvSpPr>
+          <p:cNvPr id="3" name="Rectangle 2">
+            <a:extLst>
+              <a:ext uri="{FF2B5EF4-FFF2-40B4-BE49-F238E27FC236}">
+                <a16:creationId xmlns:a16="http://schemas.microsoft.com/office/drawing/2014/main" id="{8E51D302-B432-4567-B542-3B8E7B859410}"/>
+              </a:ext>
+            </a:extLst>
+          </p:cNvPr>
+          <p:cNvSpPr/>
+          <p:nvPr/>
+        </p:nvSpPr>
+        <p:spPr>
+          <a:xfrm>
+            <a:off x="8038635" y="2454675"/>
+            <a:ext cx="1439592" cy="3910612"/>
+          </a:xfrm>
+          <a:prstGeom prst="rect">
+            <a:avLst/>
+          </a:prstGeom>
+          <a:solidFill>
+            <a:schemeClr val="accent4"/>
+          </a:solidFill>
+          <a:ln>
+            <a:noFill/>
+          </a:ln>
+        </p:spPr>
+        <p:style>
+          <a:lnRef idx="0">
+            <a:scrgbClr r="0" g="0" b="0"/>
+          </a:lnRef>
+          <a:fillRef idx="0">
+            <a:scrgbClr r="0" g="0" b="0"/>
+          </a:fillRef>
+          <a:effectRef idx="0">
+            <a:scrgbClr r="0" g="0" b="0"/>
+          </a:effectRef>
+          <a:fontRef idx="minor">
+            <a:schemeClr val="lt1"/>
+          </a:fontRef>
+        </p:style>
+        <p:txBody>
+          <a:bodyPr rtlCol="0" anchor="ctr"/>
+          <a:lstStyle/>
+          <a:p>
+            <a:pPr algn="ctr"/>
+            <a:r>
+              <a:rPr lang="en-US" sz="2400" dirty="0" err="1">
+                <a:solidFill>
+                  <a:schemeClr val="bg1"/>
+                </a:solidFill>
+              </a:rPr>
+              <a:t>Hajautus</a:t>
+            </a:r>
+            <a:endParaRPr lang="en-US" sz="2400" dirty="0">
+              <a:solidFill>
+                <a:schemeClr val="bg1"/>
+              </a:solidFill>
+            </a:endParaRPr>
+          </a:p>
+          <a:p>
+            <a:pPr algn="ctr"/>
+            <a:r>
+              <a:rPr lang="en-US" sz="2400" dirty="0" err="1">
+                <a:solidFill>
+                  <a:schemeClr val="bg1"/>
+                </a:solidFill>
+              </a:rPr>
+              <a:t>funktio</a:t>
+            </a:r>
+            <a:endParaRPr lang="en-US" sz="2400" dirty="0">
+              <a:solidFill>
+                <a:schemeClr val="bg1"/>
+              </a:solidFill>
+            </a:endParaRPr>
+          </a:p>
+        </p:txBody>
+      </p:sp>
+      <p:sp>
+        <p:nvSpPr>
+          <p:cNvPr id="7" name="Arrow: Right 6">
+            <a:extLst>
+              <a:ext uri="{FF2B5EF4-FFF2-40B4-BE49-F238E27FC236}">
+                <a16:creationId xmlns:a16="http://schemas.microsoft.com/office/drawing/2014/main" id="{93763129-F6E2-46F9-BB5D-75AC5D04D494}"/>
+              </a:ext>
+            </a:extLst>
+          </p:cNvPr>
+          <p:cNvSpPr/>
+          <p:nvPr/>
+        </p:nvSpPr>
+        <p:spPr>
+          <a:xfrm>
+            <a:off x="7410588" y="2677169"/>
+            <a:ext cx="585926" cy="501221"/>
+          </a:xfrm>
+          <a:prstGeom prst="rightArrow">
+            <a:avLst/>
+          </a:prstGeom>
+          <a:solidFill>
+            <a:schemeClr val="accent1"/>
+          </a:solidFill>
+          <a:ln>
+            <a:noFill/>
+          </a:ln>
+          <a:effectLst>
+            <a:outerShdw blurRad="50800" dist="38100" dir="5400000" algn="t" rotWithShape="0">
+              <a:prstClr val="black">
+                <a:alpha val="40000"/>
+              </a:prstClr>
+            </a:outerShdw>
+          </a:effectLst>
+        </p:spPr>
+        <p:style>
+          <a:lnRef idx="2">
+            <a:schemeClr val="accent1">
+              <a:shade val="50000"/>
+            </a:schemeClr>
+          </a:lnRef>
+          <a:fillRef idx="1">
+            <a:schemeClr val="accent1"/>
+          </a:fillRef>
+          <a:effectRef idx="0">
+            <a:schemeClr val="accent1"/>
+          </a:effectRef>
+          <a:fontRef idx="minor">
+            <a:schemeClr val="lt1"/>
+          </a:fontRef>
+        </p:style>
+        <p:txBody>
+          <a:bodyPr rtlCol="0" anchor="ctr"/>
+          <a:lstStyle/>
+          <a:p>
+            <a:pPr algn="ctr"/>
+            <a:endParaRPr lang="en-US"/>
+          </a:p>
+        </p:txBody>
+      </p:sp>
+      <p:sp>
+        <p:nvSpPr>
+          <p:cNvPr id="35" name="Arrow: Right 34">
+            <a:extLst>
+              <a:ext uri="{FF2B5EF4-FFF2-40B4-BE49-F238E27FC236}">
+                <a16:creationId xmlns:a16="http://schemas.microsoft.com/office/drawing/2014/main" id="{C1A425DD-B08C-434C-9C4B-75964D8920B0}"/>
+              </a:ext>
+            </a:extLst>
+          </p:cNvPr>
+          <p:cNvSpPr/>
+          <p:nvPr/>
+        </p:nvSpPr>
+        <p:spPr>
+          <a:xfrm>
+            <a:off x="7410587" y="3651493"/>
+            <a:ext cx="585926" cy="501221"/>
+          </a:xfrm>
+          <a:prstGeom prst="rightArrow">
+            <a:avLst/>
+          </a:prstGeom>
+          <a:solidFill>
+            <a:schemeClr val="accent1"/>
+          </a:solidFill>
+          <a:ln>
+            <a:noFill/>
+          </a:ln>
+          <a:effectLst>
+            <a:outerShdw blurRad="50800" dist="38100" dir="5400000" algn="t" rotWithShape="0">
+              <a:prstClr val="black">
+                <a:alpha val="40000"/>
+              </a:prstClr>
+            </a:outerShdw>
+          </a:effectLst>
+        </p:spPr>
+        <p:style>
+          <a:lnRef idx="2">
+            <a:schemeClr val="accent1">
+              <a:shade val="50000"/>
+            </a:schemeClr>
+          </a:lnRef>
+          <a:fillRef idx="1">
+            <a:schemeClr val="accent1"/>
+          </a:fillRef>
+          <a:effectRef idx="0">
+            <a:schemeClr val="accent1"/>
+          </a:effectRef>
+          <a:fontRef idx="minor">
+            <a:schemeClr val="lt1"/>
+          </a:fontRef>
+        </p:style>
+        <p:txBody>
+          <a:bodyPr rtlCol="0" anchor="ctr"/>
+          <a:lstStyle/>
+          <a:p>
+            <a:pPr algn="ctr"/>
+            <a:endParaRPr lang="en-US"/>
+          </a:p>
+        </p:txBody>
+      </p:sp>
+      <p:sp>
+        <p:nvSpPr>
+          <p:cNvPr id="36" name="Arrow: Right 35">
+            <a:extLst>
+              <a:ext uri="{FF2B5EF4-FFF2-40B4-BE49-F238E27FC236}">
+                <a16:creationId xmlns:a16="http://schemas.microsoft.com/office/drawing/2014/main" id="{FC7294DF-5807-4C18-9CFC-C703E2297808}"/>
+              </a:ext>
+            </a:extLst>
+          </p:cNvPr>
+          <p:cNvSpPr/>
+          <p:nvPr/>
+        </p:nvSpPr>
+        <p:spPr>
+          <a:xfrm>
+            <a:off x="7410587" y="4625817"/>
+            <a:ext cx="585926" cy="501221"/>
+          </a:xfrm>
+          <a:prstGeom prst="rightArrow">
+            <a:avLst/>
+          </a:prstGeom>
+          <a:solidFill>
+            <a:schemeClr val="accent1"/>
+          </a:solidFill>
+          <a:ln>
+            <a:noFill/>
+          </a:ln>
+          <a:effectLst>
+            <a:outerShdw blurRad="50800" dist="38100" dir="5400000" algn="t" rotWithShape="0">
+              <a:prstClr val="black">
+                <a:alpha val="40000"/>
+              </a:prstClr>
+            </a:outerShdw>
+          </a:effectLst>
+        </p:spPr>
+        <p:style>
+          <a:lnRef idx="2">
+            <a:schemeClr val="accent1">
+              <a:shade val="50000"/>
+            </a:schemeClr>
+          </a:lnRef>
+          <a:fillRef idx="1">
+            <a:schemeClr val="accent1"/>
+          </a:fillRef>
+          <a:effectRef idx="0">
+            <a:schemeClr val="accent1"/>
+          </a:effectRef>
+          <a:fontRef idx="minor">
+            <a:schemeClr val="lt1"/>
+          </a:fontRef>
+        </p:style>
+        <p:txBody>
+          <a:bodyPr rtlCol="0" anchor="ctr"/>
+          <a:lstStyle/>
+          <a:p>
+            <a:pPr algn="ctr"/>
+            <a:endParaRPr lang="en-US"/>
+          </a:p>
+        </p:txBody>
+      </p:sp>
+      <p:sp>
+        <p:nvSpPr>
+          <p:cNvPr id="37" name="Arrow: Right 36">
+            <a:extLst>
+              <a:ext uri="{FF2B5EF4-FFF2-40B4-BE49-F238E27FC236}">
+                <a16:creationId xmlns:a16="http://schemas.microsoft.com/office/drawing/2014/main" id="{529B9927-3CBF-421E-B4E5-6A8ACAB9D35E}"/>
+              </a:ext>
+            </a:extLst>
+          </p:cNvPr>
+          <p:cNvSpPr/>
+          <p:nvPr/>
+        </p:nvSpPr>
+        <p:spPr>
+          <a:xfrm>
+            <a:off x="7411625" y="5603551"/>
+            <a:ext cx="585926" cy="501221"/>
+          </a:xfrm>
+          <a:prstGeom prst="rightArrow">
+            <a:avLst/>
+          </a:prstGeom>
+          <a:solidFill>
+            <a:schemeClr val="accent1"/>
+          </a:solidFill>
+          <a:ln>
+            <a:noFill/>
+          </a:ln>
+          <a:effectLst>
+            <a:outerShdw blurRad="50800" dist="38100" dir="5400000" algn="t" rotWithShape="0">
+              <a:prstClr val="black">
+                <a:alpha val="40000"/>
+              </a:prstClr>
+            </a:outerShdw>
+          </a:effectLst>
+        </p:spPr>
+        <p:style>
+          <a:lnRef idx="2">
+            <a:schemeClr val="accent1">
+              <a:shade val="50000"/>
+            </a:schemeClr>
+          </a:lnRef>
+          <a:fillRef idx="1">
+            <a:schemeClr val="accent1"/>
+          </a:fillRef>
+          <a:effectRef idx="0">
+            <a:schemeClr val="accent1"/>
+          </a:effectRef>
+          <a:fontRef idx="minor">
+            <a:schemeClr val="lt1"/>
+          </a:fontRef>
+        </p:style>
+        <p:txBody>
+          <a:bodyPr rtlCol="0" anchor="ctr"/>
+          <a:lstStyle/>
+          <a:p>
+            <a:pPr algn="ctr"/>
+            <a:endParaRPr lang="en-US"/>
+          </a:p>
+        </p:txBody>
+      </p:sp>
+      <p:cxnSp>
+        <p:nvCxnSpPr>
+          <p:cNvPr id="9" name="Straight Arrow Connector 8">
+            <a:extLst>
+              <a:ext uri="{FF2B5EF4-FFF2-40B4-BE49-F238E27FC236}">
+                <a16:creationId xmlns:a16="http://schemas.microsoft.com/office/drawing/2014/main" id="{00E9E20D-AD29-4C21-8F2C-7D9EDC8CAF85}"/>
+              </a:ext>
+            </a:extLst>
+          </p:cNvPr>
+          <p:cNvCxnSpPr>
+            <a:cxnSpLocks/>
+          </p:cNvCxnSpPr>
+          <p:nvPr/>
+        </p:nvCxnSpPr>
+        <p:spPr>
+          <a:xfrm>
+            <a:off x="9541592" y="2924264"/>
+            <a:ext cx="543441" cy="902012"/>
+          </a:xfrm>
+          <a:prstGeom prst="straightConnector1">
+            <a:avLst/>
+          </a:prstGeom>
+          <a:ln>
+            <a:tailEnd type="triangle"/>
+          </a:ln>
+        </p:spPr>
+        <p:style>
+          <a:lnRef idx="1">
+            <a:schemeClr val="accent1"/>
+          </a:lnRef>
+          <a:fillRef idx="0">
+            <a:schemeClr val="accent1"/>
+          </a:fillRef>
+          <a:effectRef idx="0">
+            <a:schemeClr val="accent1"/>
+          </a:effectRef>
+          <a:fontRef idx="minor">
+            <a:schemeClr val="tx1"/>
+          </a:fontRef>
+        </p:style>
+      </p:cxnSp>
+      <p:cxnSp>
+        <p:nvCxnSpPr>
+          <p:cNvPr id="11" name="Straight Arrow Connector 10">
+            <a:extLst>
+              <a:ext uri="{FF2B5EF4-FFF2-40B4-BE49-F238E27FC236}">
+                <a16:creationId xmlns:a16="http://schemas.microsoft.com/office/drawing/2014/main" id="{1C8EFA66-D699-4325-B94D-0A0DE40E0615}"/>
+              </a:ext>
+            </a:extLst>
+          </p:cNvPr>
+          <p:cNvCxnSpPr/>
+          <p:nvPr/>
+        </p:nvCxnSpPr>
+        <p:spPr>
+          <a:xfrm>
+            <a:off x="9543495" y="3902103"/>
+            <a:ext cx="541538" cy="974324"/>
+          </a:xfrm>
+          <a:prstGeom prst="straightConnector1">
+            <a:avLst/>
+          </a:prstGeom>
+          <a:ln>
+            <a:tailEnd type="triangle"/>
+          </a:ln>
+        </p:spPr>
+        <p:style>
+          <a:lnRef idx="1">
+            <a:schemeClr val="accent1"/>
+          </a:lnRef>
+          <a:fillRef idx="0">
+            <a:schemeClr val="accent1"/>
+          </a:fillRef>
+          <a:effectRef idx="0">
+            <a:schemeClr val="accent1"/>
+          </a:effectRef>
+          <a:fontRef idx="minor">
+            <a:schemeClr val="tx1"/>
+          </a:fontRef>
+        </p:style>
+      </p:cxnSp>
+      <p:cxnSp>
+        <p:nvCxnSpPr>
+          <p:cNvPr id="14" name="Straight Arrow Connector 13">
+            <a:extLst>
+              <a:ext uri="{FF2B5EF4-FFF2-40B4-BE49-F238E27FC236}">
+                <a16:creationId xmlns:a16="http://schemas.microsoft.com/office/drawing/2014/main" id="{113BE083-DD6E-47FB-A7EB-7741620B3E9D}"/>
+              </a:ext>
+            </a:extLst>
+          </p:cNvPr>
+          <p:cNvCxnSpPr/>
+          <p:nvPr/>
+        </p:nvCxnSpPr>
+        <p:spPr>
+          <a:xfrm flipV="1">
+            <a:off x="9543495" y="3902103"/>
+            <a:ext cx="541538" cy="1015754"/>
+          </a:xfrm>
+          <a:prstGeom prst="straightConnector1">
+            <a:avLst/>
+          </a:prstGeom>
+          <a:ln>
+            <a:tailEnd type="triangle"/>
+          </a:ln>
+        </p:spPr>
+        <p:style>
+          <a:lnRef idx="1">
+            <a:schemeClr val="accent1"/>
+          </a:lnRef>
+          <a:fillRef idx="0">
+            <a:schemeClr val="accent1"/>
+          </a:fillRef>
+          <a:effectRef idx="0">
+            <a:schemeClr val="accent1"/>
+          </a:effectRef>
+          <a:fontRef idx="minor">
+            <a:schemeClr val="tx1"/>
+          </a:fontRef>
+        </p:style>
+      </p:cxnSp>
+      <p:cxnSp>
+        <p:nvCxnSpPr>
+          <p:cNvPr id="40" name="Straight Arrow Connector 39">
+            <a:extLst>
+              <a:ext uri="{FF2B5EF4-FFF2-40B4-BE49-F238E27FC236}">
+                <a16:creationId xmlns:a16="http://schemas.microsoft.com/office/drawing/2014/main" id="{4272C338-328C-4255-974C-CA75C33090A0}"/>
+              </a:ext>
+            </a:extLst>
+          </p:cNvPr>
+          <p:cNvCxnSpPr/>
+          <p:nvPr/>
+        </p:nvCxnSpPr>
+        <p:spPr>
+          <a:xfrm>
+            <a:off x="9543495" y="5933610"/>
+            <a:ext cx="541538" cy="0"/>
+          </a:xfrm>
+          <a:prstGeom prst="straightConnector1">
+            <a:avLst/>
+          </a:prstGeom>
+          <a:ln>
+            <a:tailEnd type="triangle"/>
+          </a:ln>
+        </p:spPr>
+        <p:style>
+          <a:lnRef idx="1">
+            <a:schemeClr val="accent1"/>
+          </a:lnRef>
+          <a:fillRef idx="0">
+            <a:schemeClr val="accent1"/>
+          </a:fillRef>
+          <a:effectRef idx="0">
+            <a:schemeClr val="accent1"/>
+          </a:effectRef>
+          <a:fontRef idx="minor">
+            <a:schemeClr val="tx1"/>
+          </a:fontRef>
+        </p:style>
+      </p:cxnSp>
+    </p:spTree>
+    <p:extLst>
+      <p:ext uri="{BB962C8B-B14F-4D97-AF65-F5344CB8AC3E}">
+        <p14:creationId xmlns:p14="http://schemas.microsoft.com/office/powerpoint/2010/main" val="1961475814"/>
       </p:ext>
     </p:extLst>
   </p:cSld>
@@ -18014,23 +19472,6 @@
 </file>
 
 <file path=customXml/item1.xml><?xml version="1.0" encoding="utf-8"?>
-<?mso-contentType ?>
-<FormTemplates xmlns="http://schemas.microsoft.com/sharepoint/v3/contenttype/forms">
-  <Display>DocumentLibraryForm</Display>
-  <Edit>DocumentLibraryForm</Edit>
-  <New>DocumentLibraryForm</New>
-</FormTemplates>
-</file>
-
-<file path=customXml/item2.xml><?xml version="1.0" encoding="utf-8"?>
-<p:properties xmlns:p="http://schemas.microsoft.com/office/2006/metadata/properties" xmlns:xsi="http://www.w3.org/2001/XMLSchema-instance" xmlns:pc="http://schemas.microsoft.com/office/infopath/2007/PartnerControls">
-  <documentManagement>
-    <MediaServiceKeyPoints xmlns="71af3243-3dd4-4a8d-8c0d-dd76da1f02a5" xsi:nil="true"/>
-  </documentManagement>
-</p:properties>
-</file>
-
-<file path=customXml/item3.xml><?xml version="1.0" encoding="utf-8"?>
 <ct:contentTypeSchema xmlns:ct="http://schemas.microsoft.com/office/2006/metadata/contentType" xmlns:ma="http://schemas.microsoft.com/office/2006/metadata/properties/metaAttributes" ct:_="" ma:_="" ma:contentTypeName="Document" ma:contentTypeID="0x01010079F111ED35F8CC479449609E8A0923A6" ma:contentTypeVersion="11" ma:contentTypeDescription="Create a new document." ma:contentTypeScope="" ma:versionID="96291512c1ee715ab617f4c07df79fc1">
   <xsd:schema xmlns:xsd="http://www.w3.org/2001/XMLSchema" xmlns:xs="http://www.w3.org/2001/XMLSchema" xmlns:p="http://schemas.microsoft.com/office/2006/metadata/properties" xmlns:ns2="71af3243-3dd4-4a8d-8c0d-dd76da1f02a5" xmlns:ns3="16c05727-aa75-4e4a-9b5f-8a80a1165891" targetNamespace="http://schemas.microsoft.com/office/2006/metadata/properties" ma:root="true" ma:fieldsID="8256c27c40ca5c40ce1cf6c44f0205df" ns2:_="" ns3:_="">
     <xsd:import namespace="71af3243-3dd4-4a8d-8c0d-dd76da1f02a5"/>
@@ -18241,25 +19682,24 @@
 </ct:contentTypeSchema>
 </file>
 
-<file path=customXml/itemProps1.xml><?xml version="1.0" encoding="utf-8"?>
-<ds:datastoreItem xmlns:ds="http://schemas.openxmlformats.org/officeDocument/2006/customXml" ds:itemID="{B12AB9FA-5EE8-4111-B873-E09ACA2BC395}">
-  <ds:schemaRefs>
-    <ds:schemaRef ds:uri="http://schemas.microsoft.com/sharepoint/v3/contenttype/forms"/>
-  </ds:schemaRefs>
-</ds:datastoreItem>
+<file path=customXml/item2.xml><?xml version="1.0" encoding="utf-8"?>
+<p:properties xmlns:p="http://schemas.microsoft.com/office/2006/metadata/properties" xmlns:xsi="http://www.w3.org/2001/XMLSchema-instance" xmlns:pc="http://schemas.microsoft.com/office/infopath/2007/PartnerControls">
+  <documentManagement>
+    <MediaServiceKeyPoints xmlns="71af3243-3dd4-4a8d-8c0d-dd76da1f02a5" xsi:nil="true"/>
+  </documentManagement>
+</p:properties>
 </file>
 
-<file path=customXml/itemProps2.xml><?xml version="1.0" encoding="utf-8"?>
-<ds:datastoreItem xmlns:ds="http://schemas.openxmlformats.org/officeDocument/2006/customXml" ds:itemID="{FCF1D2AC-2735-457E-B639-07E13F9A629B}">
-  <ds:schemaRefs>
-    <ds:schemaRef ds:uri="http://schemas.microsoft.com/office/2006/metadata/properties"/>
-    <ds:schemaRef ds:uri="http://schemas.microsoft.com/office/infopath/2007/PartnerControls"/>
-    <ds:schemaRef ds:uri="71af3243-3dd4-4a8d-8c0d-dd76da1f02a5"/>
-  </ds:schemaRefs>
-</ds:datastoreItem>
+<file path=customXml/item3.xml><?xml version="1.0" encoding="utf-8"?>
+<?mso-contentType ?>
+<FormTemplates xmlns="http://schemas.microsoft.com/sharepoint/v3/contenttype/forms">
+  <Display>DocumentLibraryForm</Display>
+  <Edit>DocumentLibraryForm</Edit>
+  <New>DocumentLibraryForm</New>
+</FormTemplates>
 </file>
 
-<file path=customXml/itemProps3.xml><?xml version="1.0" encoding="utf-8"?>
+<file path=customXml/itemProps1.xml><?xml version="1.0" encoding="utf-8"?>
 <ds:datastoreItem xmlns:ds="http://schemas.openxmlformats.org/officeDocument/2006/customXml" ds:itemID="{B18699A2-1304-4DB0-887E-96D5B0474647}">
   <ds:schemaRefs>
     <ds:schemaRef ds:uri="http://schemas.microsoft.com/office/2006/metadata/contentType"/>
@@ -18276,4 +19716,22 @@
     <ds:schemaRef ds:uri="http://schemas.microsoft.com/internal/obd"/>
   </ds:schemaRefs>
 </ds:datastoreItem>
+</file>
+
+<file path=customXml/itemProps2.xml><?xml version="1.0" encoding="utf-8"?>
+<ds:datastoreItem xmlns:ds="http://schemas.openxmlformats.org/officeDocument/2006/customXml" ds:itemID="{FCF1D2AC-2735-457E-B639-07E13F9A629B}">
+  <ds:schemaRefs>
+    <ds:schemaRef ds:uri="http://schemas.microsoft.com/office/2006/metadata/properties"/>
+    <ds:schemaRef ds:uri="http://schemas.microsoft.com/office/infopath/2007/PartnerControls"/>
+    <ds:schemaRef ds:uri="71af3243-3dd4-4a8d-8c0d-dd76da1f02a5"/>
+  </ds:schemaRefs>
+</ds:datastoreItem>
+</file>
+
+<file path=customXml/itemProps3.xml><?xml version="1.0" encoding="utf-8"?>
+<ds:datastoreItem xmlns:ds="http://schemas.openxmlformats.org/officeDocument/2006/customXml" ds:itemID="{B12AB9FA-5EE8-4111-B873-E09ACA2BC395}">
+  <ds:schemaRefs>
+    <ds:schemaRef ds:uri="http://schemas.microsoft.com/sharepoint/v3/contenttype/forms"/>
+  </ds:schemaRefs>
+</ds:datastoreItem>
 </file>